--- a/Final Project/final_presentation.pptx
+++ b/Final Project/final_presentation.pptx
@@ -6913,6 +6913,13 @@
   <p:clrMapOvr>
     <a:masterClrMapping/>
   </p:clrMapOvr>
+  <p:timing>
+    <p:tnLst>
+      <p:par>
+        <p:cTn xmlns:p14="http://schemas.microsoft.com/office/powerpoint/2010/main" id="1" dur="indefinite" restart="never" nodeType="tmRoot"/>
+      </p:par>
+    </p:tnLst>
+  </p:timing>
 </p:sld>
 </file>
 
@@ -8912,6 +8919,13 @@
   <p:clrMapOvr>
     <a:masterClrMapping/>
   </p:clrMapOvr>
+  <p:timing>
+    <p:tnLst>
+      <p:par>
+        <p:cTn xmlns:p14="http://schemas.microsoft.com/office/powerpoint/2010/main" id="1" dur="indefinite" restart="never" nodeType="tmRoot"/>
+      </p:par>
+    </p:tnLst>
+  </p:timing>
 </p:sld>
 </file>
 
@@ -10079,6 +10093,13 @@
   <p:clrMapOvr>
     <a:masterClrMapping/>
   </p:clrMapOvr>
+  <p:timing>
+    <p:tnLst>
+      <p:par>
+        <p:cTn xmlns:p14="http://schemas.microsoft.com/office/powerpoint/2010/main" id="1" dur="indefinite" restart="never" nodeType="tmRoot"/>
+      </p:par>
+    </p:tnLst>
+  </p:timing>
 </p:sld>
 </file>
 
@@ -12028,6 +12049,13 @@
   <p:clrMapOvr>
     <a:masterClrMapping/>
   </p:clrMapOvr>
+  <p:timing>
+    <p:tnLst>
+      <p:par>
+        <p:cTn xmlns:p14="http://schemas.microsoft.com/office/powerpoint/2010/main" id="1" dur="indefinite" restart="never" nodeType="tmRoot"/>
+      </p:par>
+    </p:tnLst>
+  </p:timing>
 </p:sld>
 </file>
 
@@ -12065,7 +12093,7 @@
           <a:p>
             <a:r>
               <a:rPr lang="en-US" dirty="0" smtClean="0"/>
-              <a:t>Well Represented</a:t>
+              <a:t>Well Represented (WR)</a:t>
             </a:r>
             <a:endParaRPr lang="en-US" dirty="0"/>
           </a:p>
